--- a/Teste.pptx
+++ b/Teste.pptx
@@ -104,6 +104,11 @@
       </a:defRPr>
     </a:lvl9pPr>
   </p:defaultTextStyle>
+  <p:extLst>
+    <p:ext uri="{EFAFB233-063F-42B5-8137-9DF3F51BA10A}">
+      <p15:sldGuideLst xmlns:p15="http://schemas.microsoft.com/office/powerpoint/2012/main"/>
+    </p:ext>
+  </p:extLst>
 </p:presentation>
 </file>
 
@@ -2984,20 +2989,25 @@
             <p:ph type="ctrTitle"/>
           </p:nvPr>
         </p:nvSpPr>
-        <p:spPr/>
-        <p:txBody>
-          <a:bodyPr/>
-          <a:lstStyle/>
-          <a:p>
-            <a:r>
-              <a:rPr lang="pt-BR" dirty="0" smtClean="0">
+        <p:spPr>
+          <a:xfrm>
+            <a:off x="1471748" y="1057049"/>
+            <a:ext cx="9144000" cy="2387600"/>
+          </a:xfrm>
+        </p:spPr>
+        <p:txBody>
+          <a:bodyPr/>
+          <a:lstStyle/>
+          <a:p>
+            <a:r>
+              <a:rPr lang="pt-BR" smtClean="0">
                 <a:solidFill>
                   <a:schemeClr val="bg2">
                     <a:lumMod val="75000"/>
                   </a:schemeClr>
                 </a:solidFill>
               </a:rPr>
-              <a:t>Teste</a:t>
+              <a:t>Teste 2 - Alterado</a:t>
             </a:r>
             <a:endParaRPr lang="pt-BR" dirty="0">
               <a:solidFill>
